--- a/Документация/Презентация.pptx
+++ b/Документация/Презентация.pptx
@@ -245,7 +245,8 @@
           <a:p>
             <a:fld id="{F6073F45-CC96-4C43-9303-A283D54B16EF}" type="datetimeFigureOut">
               <a:rPr lang="ru-RU" smtClean="0"/>
-              <a:t>25.02.2024</a:t>
+              <a:pPr/>
+              <a:t>21.04.2024</a:t>
             </a:fld>
             <a:endParaRPr lang="ru-RU"/>
           </a:p>
@@ -287,6 +288,7 @@
           <a:p>
             <a:fld id="{37187B5D-3FB2-4EB0-BE65-113409F40C84}" type="slidenum">
               <a:rPr lang="ru-RU" smtClean="0"/>
+              <a:pPr/>
               <a:t>‹#›</a:t>
             </a:fld>
             <a:endParaRPr lang="ru-RU"/>
@@ -296,7 +298,7 @@
     </p:spTree>
     <p:extLst>
       <p:ext uri="{BB962C8B-B14F-4D97-AF65-F5344CB8AC3E}">
-        <p14:creationId xmlns:p14="http://schemas.microsoft.com/office/powerpoint/2010/main" val="2879679066"/>
+        <p14:creationId xmlns:p14="http://schemas.microsoft.com/office/powerpoint/2010/main" xmlns="" val="2879679066"/>
       </p:ext>
     </p:extLst>
   </p:cSld>
@@ -415,7 +417,8 @@
           <a:p>
             <a:fld id="{F6073F45-CC96-4C43-9303-A283D54B16EF}" type="datetimeFigureOut">
               <a:rPr lang="ru-RU" smtClean="0"/>
-              <a:t>25.02.2024</a:t>
+              <a:pPr/>
+              <a:t>21.04.2024</a:t>
             </a:fld>
             <a:endParaRPr lang="ru-RU"/>
           </a:p>
@@ -457,6 +460,7 @@
           <a:p>
             <a:fld id="{37187B5D-3FB2-4EB0-BE65-113409F40C84}" type="slidenum">
               <a:rPr lang="ru-RU" smtClean="0"/>
+              <a:pPr/>
               <a:t>‹#›</a:t>
             </a:fld>
             <a:endParaRPr lang="ru-RU"/>
@@ -466,7 +470,7 @@
     </p:spTree>
     <p:extLst>
       <p:ext uri="{BB962C8B-B14F-4D97-AF65-F5344CB8AC3E}">
-        <p14:creationId xmlns:p14="http://schemas.microsoft.com/office/powerpoint/2010/main" val="286033693"/>
+        <p14:creationId xmlns:p14="http://schemas.microsoft.com/office/powerpoint/2010/main" xmlns="" val="286033693"/>
       </p:ext>
     </p:extLst>
   </p:cSld>
@@ -595,7 +599,8 @@
           <a:p>
             <a:fld id="{F6073F45-CC96-4C43-9303-A283D54B16EF}" type="datetimeFigureOut">
               <a:rPr lang="ru-RU" smtClean="0"/>
-              <a:t>25.02.2024</a:t>
+              <a:pPr/>
+              <a:t>21.04.2024</a:t>
             </a:fld>
             <a:endParaRPr lang="ru-RU"/>
           </a:p>
@@ -637,6 +642,7 @@
           <a:p>
             <a:fld id="{37187B5D-3FB2-4EB0-BE65-113409F40C84}" type="slidenum">
               <a:rPr lang="ru-RU" smtClean="0"/>
+              <a:pPr/>
               <a:t>‹#›</a:t>
             </a:fld>
             <a:endParaRPr lang="ru-RU"/>
@@ -646,7 +652,7 @@
     </p:spTree>
     <p:extLst>
       <p:ext uri="{BB962C8B-B14F-4D97-AF65-F5344CB8AC3E}">
-        <p14:creationId xmlns:p14="http://schemas.microsoft.com/office/powerpoint/2010/main" val="202068908"/>
+        <p14:creationId xmlns:p14="http://schemas.microsoft.com/office/powerpoint/2010/main" xmlns="" val="202068908"/>
       </p:ext>
     </p:extLst>
   </p:cSld>
@@ -765,7 +771,8 @@
           <a:p>
             <a:fld id="{F6073F45-CC96-4C43-9303-A283D54B16EF}" type="datetimeFigureOut">
               <a:rPr lang="ru-RU" smtClean="0"/>
-              <a:t>25.02.2024</a:t>
+              <a:pPr/>
+              <a:t>21.04.2024</a:t>
             </a:fld>
             <a:endParaRPr lang="ru-RU"/>
           </a:p>
@@ -807,6 +814,7 @@
           <a:p>
             <a:fld id="{37187B5D-3FB2-4EB0-BE65-113409F40C84}" type="slidenum">
               <a:rPr lang="ru-RU" smtClean="0"/>
+              <a:pPr/>
               <a:t>‹#›</a:t>
             </a:fld>
             <a:endParaRPr lang="ru-RU"/>
@@ -816,7 +824,7 @@
     </p:spTree>
     <p:extLst>
       <p:ext uri="{BB962C8B-B14F-4D97-AF65-F5344CB8AC3E}">
-        <p14:creationId xmlns:p14="http://schemas.microsoft.com/office/powerpoint/2010/main" val="724520918"/>
+        <p14:creationId xmlns:p14="http://schemas.microsoft.com/office/powerpoint/2010/main" xmlns="" val="724520918"/>
       </p:ext>
     </p:extLst>
   </p:cSld>
@@ -1011,7 +1019,8 @@
           <a:p>
             <a:fld id="{F6073F45-CC96-4C43-9303-A283D54B16EF}" type="datetimeFigureOut">
               <a:rPr lang="ru-RU" smtClean="0"/>
-              <a:t>25.02.2024</a:t>
+              <a:pPr/>
+              <a:t>21.04.2024</a:t>
             </a:fld>
             <a:endParaRPr lang="ru-RU"/>
           </a:p>
@@ -1053,6 +1062,7 @@
           <a:p>
             <a:fld id="{37187B5D-3FB2-4EB0-BE65-113409F40C84}" type="slidenum">
               <a:rPr lang="ru-RU" smtClean="0"/>
+              <a:pPr/>
               <a:t>‹#›</a:t>
             </a:fld>
             <a:endParaRPr lang="ru-RU"/>
@@ -1062,7 +1072,7 @@
     </p:spTree>
     <p:extLst>
       <p:ext uri="{BB962C8B-B14F-4D97-AF65-F5344CB8AC3E}">
-        <p14:creationId xmlns:p14="http://schemas.microsoft.com/office/powerpoint/2010/main" val="1166168213"/>
+        <p14:creationId xmlns:p14="http://schemas.microsoft.com/office/powerpoint/2010/main" xmlns="" val="1166168213"/>
       </p:ext>
     </p:extLst>
   </p:cSld>
@@ -1243,7 +1253,8 @@
           <a:p>
             <a:fld id="{F6073F45-CC96-4C43-9303-A283D54B16EF}" type="datetimeFigureOut">
               <a:rPr lang="ru-RU" smtClean="0"/>
-              <a:t>25.02.2024</a:t>
+              <a:pPr/>
+              <a:t>21.04.2024</a:t>
             </a:fld>
             <a:endParaRPr lang="ru-RU"/>
           </a:p>
@@ -1285,6 +1296,7 @@
           <a:p>
             <a:fld id="{37187B5D-3FB2-4EB0-BE65-113409F40C84}" type="slidenum">
               <a:rPr lang="ru-RU" smtClean="0"/>
+              <a:pPr/>
               <a:t>‹#›</a:t>
             </a:fld>
             <a:endParaRPr lang="ru-RU"/>
@@ -1294,7 +1306,7 @@
     </p:spTree>
     <p:extLst>
       <p:ext uri="{BB962C8B-B14F-4D97-AF65-F5344CB8AC3E}">
-        <p14:creationId xmlns:p14="http://schemas.microsoft.com/office/powerpoint/2010/main" val="2979037133"/>
+        <p14:creationId xmlns:p14="http://schemas.microsoft.com/office/powerpoint/2010/main" xmlns="" val="2979037133"/>
       </p:ext>
     </p:extLst>
   </p:cSld>
@@ -1610,7 +1622,8 @@
           <a:p>
             <a:fld id="{F6073F45-CC96-4C43-9303-A283D54B16EF}" type="datetimeFigureOut">
               <a:rPr lang="ru-RU" smtClean="0"/>
-              <a:t>25.02.2024</a:t>
+              <a:pPr/>
+              <a:t>21.04.2024</a:t>
             </a:fld>
             <a:endParaRPr lang="ru-RU"/>
           </a:p>
@@ -1652,6 +1665,7 @@
           <a:p>
             <a:fld id="{37187B5D-3FB2-4EB0-BE65-113409F40C84}" type="slidenum">
               <a:rPr lang="ru-RU" smtClean="0"/>
+              <a:pPr/>
               <a:t>‹#›</a:t>
             </a:fld>
             <a:endParaRPr lang="ru-RU"/>
@@ -1661,7 +1675,7 @@
     </p:spTree>
     <p:extLst>
       <p:ext uri="{BB962C8B-B14F-4D97-AF65-F5344CB8AC3E}">
-        <p14:creationId xmlns:p14="http://schemas.microsoft.com/office/powerpoint/2010/main" val="541351177"/>
+        <p14:creationId xmlns:p14="http://schemas.microsoft.com/office/powerpoint/2010/main" xmlns="" val="541351177"/>
       </p:ext>
     </p:extLst>
   </p:cSld>
@@ -1728,7 +1742,8 @@
           <a:p>
             <a:fld id="{F6073F45-CC96-4C43-9303-A283D54B16EF}" type="datetimeFigureOut">
               <a:rPr lang="ru-RU" smtClean="0"/>
-              <a:t>25.02.2024</a:t>
+              <a:pPr/>
+              <a:t>21.04.2024</a:t>
             </a:fld>
             <a:endParaRPr lang="ru-RU"/>
           </a:p>
@@ -1770,6 +1785,7 @@
           <a:p>
             <a:fld id="{37187B5D-3FB2-4EB0-BE65-113409F40C84}" type="slidenum">
               <a:rPr lang="ru-RU" smtClean="0"/>
+              <a:pPr/>
               <a:t>‹#›</a:t>
             </a:fld>
             <a:endParaRPr lang="ru-RU"/>
@@ -1779,7 +1795,7 @@
     </p:spTree>
     <p:extLst>
       <p:ext uri="{BB962C8B-B14F-4D97-AF65-F5344CB8AC3E}">
-        <p14:creationId xmlns:p14="http://schemas.microsoft.com/office/powerpoint/2010/main" val="105365832"/>
+        <p14:creationId xmlns:p14="http://schemas.microsoft.com/office/powerpoint/2010/main" xmlns="" val="105365832"/>
       </p:ext>
     </p:extLst>
   </p:cSld>
@@ -1823,7 +1839,8 @@
           <a:p>
             <a:fld id="{F6073F45-CC96-4C43-9303-A283D54B16EF}" type="datetimeFigureOut">
               <a:rPr lang="ru-RU" smtClean="0"/>
-              <a:t>25.02.2024</a:t>
+              <a:pPr/>
+              <a:t>21.04.2024</a:t>
             </a:fld>
             <a:endParaRPr lang="ru-RU"/>
           </a:p>
@@ -1865,6 +1882,7 @@
           <a:p>
             <a:fld id="{37187B5D-3FB2-4EB0-BE65-113409F40C84}" type="slidenum">
               <a:rPr lang="ru-RU" smtClean="0"/>
+              <a:pPr/>
               <a:t>‹#›</a:t>
             </a:fld>
             <a:endParaRPr lang="ru-RU"/>
@@ -1874,7 +1892,7 @@
     </p:spTree>
     <p:extLst>
       <p:ext uri="{BB962C8B-B14F-4D97-AF65-F5344CB8AC3E}">
-        <p14:creationId xmlns:p14="http://schemas.microsoft.com/office/powerpoint/2010/main" val="51657833"/>
+        <p14:creationId xmlns:p14="http://schemas.microsoft.com/office/powerpoint/2010/main" xmlns="" val="51657833"/>
       </p:ext>
     </p:extLst>
   </p:cSld>
@@ -2100,7 +2118,8 @@
           <a:p>
             <a:fld id="{F6073F45-CC96-4C43-9303-A283D54B16EF}" type="datetimeFigureOut">
               <a:rPr lang="ru-RU" smtClean="0"/>
-              <a:t>25.02.2024</a:t>
+              <a:pPr/>
+              <a:t>21.04.2024</a:t>
             </a:fld>
             <a:endParaRPr lang="ru-RU"/>
           </a:p>
@@ -2142,6 +2161,7 @@
           <a:p>
             <a:fld id="{37187B5D-3FB2-4EB0-BE65-113409F40C84}" type="slidenum">
               <a:rPr lang="ru-RU" smtClean="0"/>
+              <a:pPr/>
               <a:t>‹#›</a:t>
             </a:fld>
             <a:endParaRPr lang="ru-RU"/>
@@ -2151,7 +2171,7 @@
     </p:spTree>
     <p:extLst>
       <p:ext uri="{BB962C8B-B14F-4D97-AF65-F5344CB8AC3E}">
-        <p14:creationId xmlns:p14="http://schemas.microsoft.com/office/powerpoint/2010/main" val="1218149270"/>
+        <p14:creationId xmlns:p14="http://schemas.microsoft.com/office/powerpoint/2010/main" xmlns="" val="1218149270"/>
       </p:ext>
     </p:extLst>
   </p:cSld>
@@ -2353,7 +2373,8 @@
           <a:p>
             <a:fld id="{F6073F45-CC96-4C43-9303-A283D54B16EF}" type="datetimeFigureOut">
               <a:rPr lang="ru-RU" smtClean="0"/>
-              <a:t>25.02.2024</a:t>
+              <a:pPr/>
+              <a:t>21.04.2024</a:t>
             </a:fld>
             <a:endParaRPr lang="ru-RU"/>
           </a:p>
@@ -2395,6 +2416,7 @@
           <a:p>
             <a:fld id="{37187B5D-3FB2-4EB0-BE65-113409F40C84}" type="slidenum">
               <a:rPr lang="ru-RU" smtClean="0"/>
+              <a:pPr/>
               <a:t>‹#›</a:t>
             </a:fld>
             <a:endParaRPr lang="ru-RU"/>
@@ -2404,7 +2426,7 @@
     </p:spTree>
     <p:extLst>
       <p:ext uri="{BB962C8B-B14F-4D97-AF65-F5344CB8AC3E}">
-        <p14:creationId xmlns:p14="http://schemas.microsoft.com/office/powerpoint/2010/main" val="3000803016"/>
+        <p14:creationId xmlns:p14="http://schemas.microsoft.com/office/powerpoint/2010/main" xmlns="" val="3000803016"/>
       </p:ext>
     </p:extLst>
   </p:cSld>
@@ -2566,7 +2588,8 @@
           <a:p>
             <a:fld id="{F6073F45-CC96-4C43-9303-A283D54B16EF}" type="datetimeFigureOut">
               <a:rPr lang="ru-RU" smtClean="0"/>
-              <a:t>25.02.2024</a:t>
+              <a:pPr/>
+              <a:t>21.04.2024</a:t>
             </a:fld>
             <a:endParaRPr lang="ru-RU"/>
           </a:p>
@@ -2644,6 +2667,7 @@
           <a:p>
             <a:fld id="{37187B5D-3FB2-4EB0-BE65-113409F40C84}" type="slidenum">
               <a:rPr lang="ru-RU" smtClean="0"/>
+              <a:pPr/>
               <a:t>‹#›</a:t>
             </a:fld>
             <a:endParaRPr lang="ru-RU"/>
@@ -2653,7 +2677,7 @@
     </p:spTree>
     <p:extLst>
       <p:ext uri="{BB962C8B-B14F-4D97-AF65-F5344CB8AC3E}">
-        <p14:creationId xmlns:p14="http://schemas.microsoft.com/office/powerpoint/2010/main" val="1595793769"/>
+        <p14:creationId xmlns:p14="http://schemas.microsoft.com/office/powerpoint/2010/main" xmlns="" val="1595793769"/>
       </p:ext>
     </p:extLst>
   </p:cSld>
@@ -3033,10 +3057,56 @@
           </a:prstGeom>
         </p:spPr>
       </p:pic>
+      <p:sp>
+        <p:nvSpPr>
+          <p:cNvPr id="5" name="Прямоугольник 4"/>
+          <p:cNvSpPr/>
+          <p:nvPr/>
+        </p:nvSpPr>
+        <p:spPr>
+          <a:xfrm>
+            <a:off x="9022079" y="4746172"/>
+            <a:ext cx="2499360" cy="914400"/>
+          </a:xfrm>
+          <a:prstGeom prst="rect">
+            <a:avLst/>
+          </a:prstGeom>
+          <a:solidFill>
+            <a:schemeClr val="bg1"/>
+          </a:solidFill>
+          <a:ln>
+            <a:noFill/>
+          </a:ln>
+        </p:spPr>
+        <p:style>
+          <a:lnRef idx="2">
+            <a:schemeClr val="accent1">
+              <a:shade val="50000"/>
+            </a:schemeClr>
+          </a:lnRef>
+          <a:fillRef idx="1">
+            <a:schemeClr val="accent1"/>
+          </a:fillRef>
+          <a:effectRef idx="0">
+            <a:schemeClr val="accent1"/>
+          </a:effectRef>
+          <a:fontRef idx="minor">
+            <a:schemeClr val="lt1"/>
+          </a:fontRef>
+        </p:style>
+        <p:txBody>
+          <a:bodyPr rtlCol="0" anchor="ctr"/>
+          <a:lstStyle/>
+          <a:p>
+            <a:pPr algn="ctr"/>
+            <a:endParaRPr lang="ru-RU"/>
+          </a:p>
+        </p:txBody>
+      </p:sp>
     </p:spTree>
     <p:extLst>
       <p:ext uri="{BB962C8B-B14F-4D97-AF65-F5344CB8AC3E}">
-        <p14:creationId xmlns:p14="http://schemas.microsoft.com/office/powerpoint/2010/main" val="4072980489"/>
+        <p14:creationId xmlns:p14="http://schemas.microsoft.com/office/powerpoint/2010/main" xmlns="" val="4072980489"/>
       </p:ext>
     </p:extLst>
   </p:cSld>
@@ -3111,7 +3181,7 @@
     </p:spTree>
     <p:extLst>
       <p:ext uri="{BB962C8B-B14F-4D97-AF65-F5344CB8AC3E}">
-        <p14:creationId xmlns:p14="http://schemas.microsoft.com/office/powerpoint/2010/main" val="123001870"/>
+        <p14:creationId xmlns:p14="http://schemas.microsoft.com/office/powerpoint/2010/main" xmlns="" val="123001870"/>
       </p:ext>
     </p:extLst>
   </p:cSld>
@@ -3203,7 +3273,7 @@
     </p:spTree>
     <p:extLst>
       <p:ext uri="{BB962C8B-B14F-4D97-AF65-F5344CB8AC3E}">
-        <p14:creationId xmlns:p14="http://schemas.microsoft.com/office/powerpoint/2010/main" val="2511423938"/>
+        <p14:creationId xmlns:p14="http://schemas.microsoft.com/office/powerpoint/2010/main" xmlns="" val="2511423938"/>
       </p:ext>
     </p:extLst>
   </p:cSld>
@@ -3295,7 +3365,7 @@
     </p:spTree>
     <p:extLst>
       <p:ext uri="{BB962C8B-B14F-4D97-AF65-F5344CB8AC3E}">
-        <p14:creationId xmlns:p14="http://schemas.microsoft.com/office/powerpoint/2010/main" val="287432077"/>
+        <p14:creationId xmlns:p14="http://schemas.microsoft.com/office/powerpoint/2010/main" xmlns="" val="287432077"/>
       </p:ext>
     </p:extLst>
   </p:cSld>
@@ -3387,7 +3457,7 @@
     </p:spTree>
     <p:extLst>
       <p:ext uri="{BB962C8B-B14F-4D97-AF65-F5344CB8AC3E}">
-        <p14:creationId xmlns:p14="http://schemas.microsoft.com/office/powerpoint/2010/main" val="244777489"/>
+        <p14:creationId xmlns:p14="http://schemas.microsoft.com/office/powerpoint/2010/main" xmlns="" val="244777489"/>
       </p:ext>
     </p:extLst>
   </p:cSld>
@@ -3479,7 +3549,7 @@
     </p:spTree>
     <p:extLst>
       <p:ext uri="{BB962C8B-B14F-4D97-AF65-F5344CB8AC3E}">
-        <p14:creationId xmlns:p14="http://schemas.microsoft.com/office/powerpoint/2010/main" val="443575512"/>
+        <p14:creationId xmlns:p14="http://schemas.microsoft.com/office/powerpoint/2010/main" xmlns="" val="443575512"/>
       </p:ext>
     </p:extLst>
   </p:cSld>
@@ -3571,7 +3641,7 @@
     </p:spTree>
     <p:extLst>
       <p:ext uri="{BB962C8B-B14F-4D97-AF65-F5344CB8AC3E}">
-        <p14:creationId xmlns:p14="http://schemas.microsoft.com/office/powerpoint/2010/main" val="2253909222"/>
+        <p14:creationId xmlns:p14="http://schemas.microsoft.com/office/powerpoint/2010/main" xmlns="" val="2253909222"/>
       </p:ext>
     </p:extLst>
   </p:cSld>
@@ -3663,7 +3733,7 @@
     </p:spTree>
     <p:extLst>
       <p:ext uri="{BB962C8B-B14F-4D97-AF65-F5344CB8AC3E}">
-        <p14:creationId xmlns:p14="http://schemas.microsoft.com/office/powerpoint/2010/main" val="3033131961"/>
+        <p14:creationId xmlns:p14="http://schemas.microsoft.com/office/powerpoint/2010/main" xmlns="" val="3033131961"/>
       </p:ext>
     </p:extLst>
   </p:cSld>
@@ -3716,7 +3786,7 @@
     </a:clrScheme>
     <a:fontScheme name="Стандартная">
       <a:majorFont>
-        <a:latin typeface="Calibri Light" panose="020F0302020204030204"/>
+        <a:latin typeface="Calibri Light"/>
         <a:ea typeface=""/>
         <a:cs typeface=""/>
         <a:font script="Jpan" typeface="游ゴシック Light"/>
@@ -3751,7 +3821,7 @@
         <a:font script="Geor" typeface="Sylfaen"/>
       </a:majorFont>
       <a:minorFont>
-        <a:latin typeface="Calibri" panose="020F0502020204030204"/>
+        <a:latin typeface="Calibri"/>
         <a:ea typeface=""/>
         <a:cs typeface=""/>
         <a:font script="Jpan" typeface="游ゴシック"/>
@@ -3928,7 +3998,7 @@
   <a:extraClrSchemeLst/>
   <a:extLst>
     <a:ext uri="{05A4C25C-085E-4340-85A3-A5531E510DB2}">
-      <thm15:themeFamily xmlns:thm15="http://schemas.microsoft.com/office/thememl/2012/main" name="Office Theme" id="{62F939B6-93AF-4DB8-9C6B-D6C7DFDC589F}" vid="{4A3C46E8-61CC-4603-A589-7422A47A8E4A}"/>
+      <thm15:themeFamily xmlns:thm15="http://schemas.microsoft.com/office/thememl/2012/main" xmlns="" name="Office Theme" id="{62F939B6-93AF-4DB8-9C6B-D6C7DFDC589F}" vid="{4A3C46E8-61CC-4603-A589-7422A47A8E4A}"/>
     </a:ext>
   </a:extLst>
 </a:theme>
